--- a/GA1-220501092-AA1-EV01-EV02-EV03/GA1-220501092-AA1-EV01-EV02-EV03.pptx
+++ b/GA1-220501092-AA1-EV01-EV02-EV03/GA1-220501092-AA1-EV01-EV02-EV03.pptx
@@ -238,7 +238,7 @@
           <a:p>
             <a:fld id="{88369B9F-131C-2846-AB8F-CEE154B4CAEB}" type="datetimeFigureOut">
               <a:rPr lang="es-CO" smtClean="0"/>
-              <a:t>17/07/2025</a:t>
+              <a:t>4/09/2025</a:t>
             </a:fld>
             <a:endParaRPr lang="es-CO"/>
           </a:p>
@@ -415,7 +415,7 @@
           <a:p>
             <a:fld id="{9660CB96-A603-FF42-AE46-F5F75F80A67B}" type="datetimeFigureOut">
               <a:rPr lang="es-CO" smtClean="0"/>
-              <a:t>17/07/2025</a:t>
+              <a:t>4/09/2025</a:t>
             </a:fld>
             <a:endParaRPr lang="es-CO"/>
           </a:p>
@@ -832,7 +832,7 @@
           <a:p>
             <a:fld id="{BD986248-06F7-A441-A47A-264EBD310E11}" type="datetimeFigureOut">
               <a:rPr lang="es-CO" smtClean="0"/>
-              <a:t>17/07/2025</a:t>
+              <a:t>4/09/2025</a:t>
             </a:fld>
             <a:endParaRPr lang="es-CO"/>
           </a:p>
@@ -1032,7 +1032,7 @@
           <a:p>
             <a:fld id="{BD986248-06F7-A441-A47A-264EBD310E11}" type="datetimeFigureOut">
               <a:rPr lang="es-CO" smtClean="0"/>
-              <a:t>17/07/2025</a:t>
+              <a:t>4/09/2025</a:t>
             </a:fld>
             <a:endParaRPr lang="es-CO"/>
           </a:p>
@@ -1242,7 +1242,7 @@
           <a:p>
             <a:fld id="{BD986248-06F7-A441-A47A-264EBD310E11}" type="datetimeFigureOut">
               <a:rPr lang="es-CO" smtClean="0"/>
-              <a:t>17/07/2025</a:t>
+              <a:t>4/09/2025</a:t>
             </a:fld>
             <a:endParaRPr lang="es-CO"/>
           </a:p>
@@ -1403,7 +1403,7 @@
           <a:p>
             <a:fld id="{BD986248-06F7-A441-A47A-264EBD310E11}" type="datetimeFigureOut">
               <a:rPr lang="es-CO" smtClean="0"/>
-              <a:t>17/07/2025</a:t>
+              <a:t>4/09/2025</a:t>
             </a:fld>
             <a:endParaRPr lang="es-CO"/>
           </a:p>
@@ -1603,7 +1603,7 @@
           <a:p>
             <a:fld id="{BD986248-06F7-A441-A47A-264EBD310E11}" type="datetimeFigureOut">
               <a:rPr lang="es-CO" smtClean="0"/>
-              <a:t>17/07/2025</a:t>
+              <a:t>4/09/2025</a:t>
             </a:fld>
             <a:endParaRPr lang="es-CO"/>
           </a:p>
@@ -1879,7 +1879,7 @@
           <a:p>
             <a:fld id="{BD986248-06F7-A441-A47A-264EBD310E11}" type="datetimeFigureOut">
               <a:rPr lang="es-CO" smtClean="0"/>
-              <a:t>17/07/2025</a:t>
+              <a:t>4/09/2025</a:t>
             </a:fld>
             <a:endParaRPr lang="es-CO"/>
           </a:p>
@@ -2147,7 +2147,7 @@
           <a:p>
             <a:fld id="{BD986248-06F7-A441-A47A-264EBD310E11}" type="datetimeFigureOut">
               <a:rPr lang="es-CO" smtClean="0"/>
-              <a:t>17/07/2025</a:t>
+              <a:t>4/09/2025</a:t>
             </a:fld>
             <a:endParaRPr lang="es-CO"/>
           </a:p>
@@ -2562,7 +2562,7 @@
           <a:p>
             <a:fld id="{BD986248-06F7-A441-A47A-264EBD310E11}" type="datetimeFigureOut">
               <a:rPr lang="es-CO" smtClean="0"/>
-              <a:t>17/07/2025</a:t>
+              <a:t>4/09/2025</a:t>
             </a:fld>
             <a:endParaRPr lang="es-CO"/>
           </a:p>
@@ -2704,7 +2704,7 @@
           <a:p>
             <a:fld id="{BD986248-06F7-A441-A47A-264EBD310E11}" type="datetimeFigureOut">
               <a:rPr lang="es-CO" smtClean="0"/>
-              <a:t>17/07/2025</a:t>
+              <a:t>4/09/2025</a:t>
             </a:fld>
             <a:endParaRPr lang="es-CO"/>
           </a:p>
@@ -2817,7 +2817,7 @@
           <a:p>
             <a:fld id="{BD986248-06F7-A441-A47A-264EBD310E11}" type="datetimeFigureOut">
               <a:rPr lang="es-CO" smtClean="0"/>
-              <a:t>17/07/2025</a:t>
+              <a:t>4/09/2025</a:t>
             </a:fld>
             <a:endParaRPr lang="es-CO"/>
           </a:p>
@@ -3146,7 +3146,7 @@
           <a:p>
             <a:fld id="{BD986248-06F7-A441-A47A-264EBD310E11}" type="datetimeFigureOut">
               <a:rPr lang="es-CO" smtClean="0"/>
-              <a:t>17/07/2025</a:t>
+              <a:t>4/09/2025</a:t>
             </a:fld>
             <a:endParaRPr lang="es-CO"/>
           </a:p>
@@ -3435,7 +3435,7 @@
           <a:p>
             <a:fld id="{BD986248-06F7-A441-A47A-264EBD310E11}" type="datetimeFigureOut">
               <a:rPr lang="es-CO" smtClean="0"/>
-              <a:t>17/07/2025</a:t>
+              <a:t>4/09/2025</a:t>
             </a:fld>
             <a:endParaRPr lang="es-CO"/>
           </a:p>
@@ -3678,7 +3678,7 @@
           <a:p>
             <a:fld id="{BD986248-06F7-A441-A47A-264EBD310E11}" type="datetimeFigureOut">
               <a:rPr lang="es-CO" smtClean="0"/>
-              <a:t>17/07/2025</a:t>
+              <a:t>4/09/2025</a:t>
             </a:fld>
             <a:endParaRPr lang="es-CO"/>
           </a:p>
@@ -5218,7 +5218,9 @@
               <a:t>: </a:t>
             </a:r>
             <a:r>
-              <a:rPr lang="es-CO" sz="1600" dirty="0"/>
+              <a:rPr lang="es-CO" sz="1500" dirty="0">
+                <a:latin typeface="Work Sans Light" pitchFamily="2" charset="77"/>
+              </a:rPr>
               <a:t>documento con infografía</a:t>
             </a:r>
             <a:endParaRPr lang="es-ES" sz="1500" dirty="0">
